--- a/img/ind-atk.pptx
+++ b/img/ind-atk.pptx
@@ -151,7 +151,7 @@
       </p14:sectionLst>
     </p:ext>
     <p:ext uri="{EFAFB233-063F-42B5-8137-9DF3F51BA10A}">
-      <p15:sldGuideLst xmlns="" xmlns:p15="http://schemas.microsoft.com/office/powerpoint/2012/main">
+      <p15:sldGuideLst xmlns:p15="http://schemas.microsoft.com/office/powerpoint/2012/main" xmlns="">
         <p15:guide id="1" orient="horz" pos="2160">
           <p15:clr>
             <a:srgbClr val="A4A3A4"/>
@@ -165,7 +165,7 @@
       </p15:sldGuideLst>
     </p:ext>
     <p:ext uri="{2D200454-40CA-4A62-9FC3-DE9A4176ACB9}">
-      <p15:notesGuideLst xmlns="" xmlns:p15="http://schemas.microsoft.com/office/powerpoint/2012/main">
+      <p15:notesGuideLst xmlns:p15="http://schemas.microsoft.com/office/powerpoint/2012/main" xmlns="">
         <p15:guide id="1" orient="horz" pos="3223">
           <p15:clr>
             <a:srgbClr val="A4A3A4"/>
@@ -1960,7 +1960,7 @@
             <p:spPr>
               <a:xfrm>
                 <a:off x="2502024" y="1986634"/>
-                <a:ext cx="1467985" cy="412849"/>
+                <a:ext cx="1296463" cy="366682"/>
               </a:xfrm>
               <a:prstGeom prst="rect">
                 <a:avLst/>
@@ -1977,11 +1977,10 @@
               </a:bodyPr>
               <a:lstStyle/>
               <a:p>
-                <a:pPr/>
                 <a14:m>
                   <m:oMath xmlns:m="http://schemas.openxmlformats.org/officeDocument/2006/math">
                     <m:r>
-                      <a:rPr lang="en-US" altLang="ja-JP" sz="1200" b="0" i="1" smtClean="0">
+                      <a:rPr lang="en-US" altLang="ja-JP" sz="1050" b="0" i="1" smtClean="0">
                         <a:latin typeface="Cambria Math"/>
                         <a:ea typeface="HG丸ｺﾞｼｯｸM-PRO" panose="020F0600000000000000" pitchFamily="50" charset="-128"/>
                         <a:cs typeface="Courier New" pitchFamily="49" charset="0"/>
@@ -1989,7 +1988,7 @@
                       <m:t>𝑏</m:t>
                     </m:r>
                     <m:r>
-                      <a:rPr lang="en-US" altLang="ja-JP" sz="1200" b="0" i="1" smtClean="0">
+                      <a:rPr lang="en-US" altLang="ja-JP" sz="1050" b="0" i="1" smtClean="0">
                         <a:latin typeface="Cambria Math"/>
                         <a:ea typeface="HG丸ｺﾞｼｯｸM-PRO" panose="020F0600000000000000" pitchFamily="50" charset="-128"/>
                         <a:cs typeface="Courier New" pitchFamily="49" charset="0"/>
@@ -1999,7 +1998,7 @@
                   </m:oMath>
                 </a14:m>
                 <a:r>
-                  <a:rPr lang="ja-JP" altLang="en-US" sz="1200" smtClean="0">
+                  <a:rPr lang="ja-JP" altLang="en-US" sz="1050" smtClean="0">
                     <a:latin typeface="HG丸ｺﾞｼｯｸM-PRO" panose="020F0600000000000000" pitchFamily="50" charset="-128"/>
                     <a:ea typeface="HG丸ｺﾞｼｯｸM-PRO" panose="020F0600000000000000" pitchFamily="50" charset="-128"/>
                     <a:cs typeface="Courier New" pitchFamily="49" charset="0"/>
@@ -2009,7 +2008,7 @@
                 <a14:m>
                   <m:oMath xmlns:m="http://schemas.openxmlformats.org/officeDocument/2006/math">
                     <m:r>
-                      <a:rPr lang="en-US" altLang="ja-JP" sz="1200" b="0" i="1" smtClean="0">
+                      <a:rPr lang="en-US" altLang="ja-JP" sz="1050" b="0" i="1" smtClean="0">
                         <a:latin typeface="Cambria Math"/>
                         <a:ea typeface="HG丸ｺﾞｼｯｸM-PRO" panose="020F0600000000000000" pitchFamily="50" charset="-128"/>
                         <a:cs typeface="Courier New" pitchFamily="49" charset="0"/>
@@ -2019,25 +2018,24 @@
                   </m:oMath>
                 </a14:m>
                 <a:r>
-                  <a:rPr lang="ja-JP" altLang="en-US" sz="1200" smtClean="0">
+                  <a:rPr lang="ja-JP" altLang="en-US" sz="1050" smtClean="0">
                     <a:latin typeface="HG丸ｺﾞｼｯｸM-PRO" panose="020F0600000000000000" pitchFamily="50" charset="-128"/>
                     <a:ea typeface="HG丸ｺﾞｼｯｸM-PRO" panose="020F0600000000000000" pitchFamily="50" charset="-128"/>
                     <a:cs typeface="Courier New" pitchFamily="49" charset="0"/>
                   </a:rPr>
                   <a:t>を選択して</a:t>
                 </a:r>
-                <a:endParaRPr lang="en-US" altLang="ja-JP" sz="1200" smtClean="0">
+                <a:endParaRPr lang="en-US" altLang="ja-JP" sz="1050" smtClean="0">
                   <a:latin typeface="HG丸ｺﾞｼｯｸM-PRO" panose="020F0600000000000000" pitchFamily="50" charset="-128"/>
                   <a:ea typeface="HG丸ｺﾞｼｯｸM-PRO" panose="020F0600000000000000" pitchFamily="50" charset="-128"/>
                   <a:cs typeface="Courier New" pitchFamily="49" charset="0"/>
                 </a:endParaRPr>
               </a:p>
               <a:p>
-                <a:pPr/>
                 <a14:m>
                   <m:oMath xmlns:m="http://schemas.openxmlformats.org/officeDocument/2006/math">
                     <m:r>
-                      <a:rPr lang="en-US" altLang="ja-JP" sz="1200" b="0" i="1" smtClean="0">
+                      <a:rPr lang="en-US" altLang="ja-JP" sz="1050" b="0" i="1" smtClean="0">
                         <a:latin typeface="Cambria Math"/>
                         <a:ea typeface="HG丸ｺﾞｼｯｸM-PRO" panose="020F0600000000000000" pitchFamily="50" charset="-128"/>
                         <a:cs typeface="Courier New" pitchFamily="49" charset="0"/>
@@ -2045,7 +2043,7 @@
                       <m:t>𝑐</m:t>
                     </m:r>
                     <m:r>
-                      <a:rPr lang="en-US" altLang="ja-JP" sz="1200" b="0" i="1" smtClean="0">
+                      <a:rPr lang="en-US" altLang="ja-JP" sz="1050" b="0" i="1" smtClean="0">
                         <a:latin typeface="Cambria Math"/>
                         <a:ea typeface="HG丸ｺﾞｼｯｸM-PRO" panose="020F0600000000000000" pitchFamily="50" charset="-128"/>
                         <a:cs typeface="Courier New" pitchFamily="49" charset="0"/>
@@ -2053,17 +2051,20 @@
                       <m:t>≔</m:t>
                     </m:r>
                     <m:r>
-                      <a:rPr lang="en-US" altLang="ja-JP" sz="1200" b="0" i="1" smtClean="0">
+                      <m:rPr>
+                        <m:sty m:val="p"/>
+                      </m:rPr>
+                      <a:rPr lang="en-US" altLang="ja-JP" sz="1050" b="0" i="0" smtClean="0">
                         <a:latin typeface="Cambria Math"/>
                         <a:ea typeface="HG丸ｺﾞｼｯｸM-PRO" panose="020F0600000000000000" pitchFamily="50" charset="-128"/>
                         <a:cs typeface="Courier New" pitchFamily="49" charset="0"/>
                       </a:rPr>
-                      <m:t>𝐸𝑛𝑐</m:t>
+                      <m:t>Enc</m:t>
                     </m:r>
                     <m:d>
                       <m:dPr>
                         <m:ctrlPr>
-                          <a:rPr lang="en-US" altLang="ja-JP" sz="1200" b="0" i="1" smtClean="0">
+                          <a:rPr lang="en-US" altLang="ja-JP" sz="1050" b="0" i="1" smtClean="0">
                             <a:latin typeface="Cambria Math"/>
                             <a:ea typeface="HG丸ｺﾞｼｯｸM-PRO" panose="020F0600000000000000" pitchFamily="50" charset="-128"/>
                             <a:cs typeface="Courier New" pitchFamily="49" charset="0"/>
@@ -2074,7 +2075,7 @@
                         <m:sSub>
                           <m:sSubPr>
                             <m:ctrlPr>
-                              <a:rPr lang="en-US" altLang="ja-JP" sz="1200" b="0" i="1" smtClean="0">
+                              <a:rPr lang="en-US" altLang="ja-JP" sz="1050" b="0" i="1" smtClean="0">
                                 <a:latin typeface="Cambria Math"/>
                                 <a:ea typeface="HG丸ｺﾞｼｯｸM-PRO" panose="020F0600000000000000" pitchFamily="50" charset="-128"/>
                                 <a:cs typeface="Courier New" pitchFamily="49" charset="0"/>
@@ -2083,7 +2084,7 @@
                           </m:sSubPr>
                           <m:e>
                             <m:r>
-                              <a:rPr lang="en-US" altLang="ja-JP" sz="1200" b="0" i="1" smtClean="0">
+                              <a:rPr lang="en-US" altLang="ja-JP" sz="1050" b="0" i="1" smtClean="0">
                                 <a:latin typeface="Cambria Math"/>
                                 <a:ea typeface="HG丸ｺﾞｼｯｸM-PRO" panose="020F0600000000000000" pitchFamily="50" charset="-128"/>
                                 <a:cs typeface="Courier New" pitchFamily="49" charset="0"/>
@@ -2093,7 +2094,7 @@
                           </m:e>
                           <m:sub>
                             <m:r>
-                              <a:rPr lang="en-US" altLang="ja-JP" sz="1200" b="0" i="1" smtClean="0">
+                              <a:rPr lang="en-US" altLang="ja-JP" sz="1050" b="0" i="1" smtClean="0">
                                 <a:latin typeface="Cambria Math"/>
                                 <a:ea typeface="HG丸ｺﾞｼｯｸM-PRO" panose="020F0600000000000000" pitchFamily="50" charset="-128"/>
                                 <a:cs typeface="Courier New" pitchFamily="49" charset="0"/>
@@ -2107,14 +2108,14 @@
                   </m:oMath>
                 </a14:m>
                 <a:r>
-                  <a:rPr lang="ja-JP" altLang="en-US" sz="1200" smtClean="0">
+                  <a:rPr lang="ja-JP" altLang="en-US" sz="1050" smtClean="0">
                     <a:latin typeface="HG丸ｺﾞｼｯｸM-PRO" panose="020F0600000000000000" pitchFamily="50" charset="-128"/>
                     <a:ea typeface="HG丸ｺﾞｼｯｸM-PRO" panose="020F0600000000000000" pitchFamily="50" charset="-128"/>
                     <a:cs typeface="Courier New" pitchFamily="49" charset="0"/>
                   </a:rPr>
                   <a:t>を返す</a:t>
                 </a:r>
-                <a:endParaRPr lang="ja-JP" altLang="en-US" sz="1200">
+                <a:endParaRPr lang="ja-JP" altLang="en-US" sz="1050">
                   <a:latin typeface="HG丸ｺﾞｼｯｸM-PRO" panose="020F0600000000000000" pitchFamily="50" charset="-128"/>
                   <a:ea typeface="HG丸ｺﾞｼｯｸM-PRO" panose="020F0600000000000000" pitchFamily="50" charset="-128"/>
                   <a:cs typeface="Courier New" pitchFamily="49" charset="0"/>
@@ -2135,7 +2136,7 @@
             <p:spPr>
               <a:xfrm>
                 <a:off x="2502024" y="1986634"/>
-                <a:ext cx="1467985" cy="412849"/>
+                <a:ext cx="1296463" cy="366682"/>
               </a:xfrm>
               <a:prstGeom prst="rect">
                 <a:avLst/>
@@ -2143,7 +2144,7 @@
               <a:blipFill rotWithShape="1">
                 <a:blip r:embed="rId2"/>
                 <a:stretch>
-                  <a:fillRect l="-830" t="-5882" r="-2905" b="-16176"/>
+                  <a:fillRect l="-469" t="-5000" r="-2347" b="-15000"/>
                 </a:stretch>
               </a:blipFill>
               <a:ln w="19050" cap="rnd">
@@ -2174,7 +2175,7 @@
         </p:nvCxnSpPr>
         <p:spPr>
           <a:xfrm flipH="1">
-            <a:off x="1790920" y="2609386"/>
+            <a:off x="1790920" y="2561696"/>
             <a:ext cx="639096" cy="0"/>
           </a:xfrm>
           <a:prstGeom prst="straightConnector1">
@@ -2211,7 +2212,7 @@
         <p:spPr>
           <a:xfrm>
             <a:off x="486414" y="1689919"/>
-            <a:ext cx="1318136" cy="228183"/>
+            <a:ext cx="1164248" cy="205100"/>
           </a:xfrm>
           <a:prstGeom prst="rect">
             <a:avLst/>
@@ -2230,9 +2231,8 @@
           </a:bodyPr>
           <a:lstStyle/>
           <a:p>
-            <a:pPr/>
-            <a:r>
-              <a:rPr lang="ja-JP" altLang="en-US" sz="1200" smtClean="0">
+            <a:r>
+              <a:rPr lang="ja-JP" altLang="en-US" sz="1050" smtClean="0">
                 <a:latin typeface="HG丸ｺﾞｼｯｸM-PRO" panose="020F0600000000000000" pitchFamily="50" charset="-128"/>
                 <a:ea typeface="HG丸ｺﾞｼｯｸM-PRO" panose="020F0600000000000000" pitchFamily="50" charset="-128"/>
                 <a:cs typeface="Courier New" pitchFamily="49" charset="0"/>
@@ -2240,7 +2240,7 @@
               <a:t>盗聴者（</a:t>
             </a:r>
             <a:r>
-              <a:rPr lang="ja-JP" altLang="en-US" sz="1200">
+              <a:rPr lang="ja-JP" altLang="en-US" sz="1050">
                 <a:latin typeface="HG丸ｺﾞｼｯｸM-PRO" panose="020F0600000000000000" pitchFamily="50" charset="-128"/>
                 <a:ea typeface="HG丸ｺﾞｼｯｸM-PRO" panose="020F0600000000000000" pitchFamily="50" charset="-128"/>
                 <a:cs typeface="Courier New" pitchFamily="49" charset="0"/>
@@ -2248,14 +2248,14 @@
               <a:t>攻撃者</a:t>
             </a:r>
             <a:r>
-              <a:rPr lang="ja-JP" altLang="en-US" sz="1200" smtClean="0">
+              <a:rPr lang="ja-JP" altLang="en-US" sz="1050" smtClean="0">
                 <a:latin typeface="HG丸ｺﾞｼｯｸM-PRO" panose="020F0600000000000000" pitchFamily="50" charset="-128"/>
                 <a:ea typeface="HG丸ｺﾞｼｯｸM-PRO" panose="020F0600000000000000" pitchFamily="50" charset="-128"/>
                 <a:cs typeface="Courier New" pitchFamily="49" charset="0"/>
               </a:rPr>
               <a:t>）</a:t>
             </a:r>
-            <a:endParaRPr lang="ja-JP" altLang="en-US" sz="1200">
+            <a:endParaRPr lang="ja-JP" altLang="en-US" sz="1050">
               <a:latin typeface="HG丸ｺﾞｼｯｸM-PRO" panose="020F0600000000000000" pitchFamily="50" charset="-128"/>
               <a:ea typeface="HG丸ｺﾞｼｯｸM-PRO" panose="020F0600000000000000" pitchFamily="50" charset="-128"/>
               <a:cs typeface="Courier New" pitchFamily="49" charset="0"/>
@@ -2310,7 +2310,7 @@
             <p:spPr>
               <a:xfrm>
                 <a:off x="1752921" y="1946281"/>
-                <a:ext cx="593194" cy="228183"/>
+                <a:ext cx="526252" cy="205100"/>
               </a:xfrm>
               <a:prstGeom prst="rect">
                 <a:avLst/>
@@ -2337,7 +2337,7 @@
                       <m:sSub>
                         <m:sSubPr>
                           <m:ctrlPr>
-                            <a:rPr lang="en-US" altLang="ja-JP" sz="1200" b="0" i="1" smtClean="0">
+                            <a:rPr lang="en-US" altLang="ja-JP" sz="1050" b="0" i="1" smtClean="0">
                               <a:latin typeface="Cambria Math"/>
                               <a:ea typeface="HG丸ｺﾞｼｯｸM-PRO" panose="020F0600000000000000" pitchFamily="50" charset="-128"/>
                               <a:cs typeface="Courier New" pitchFamily="49" charset="0"/>
@@ -2346,7 +2346,7 @@
                         </m:sSubPr>
                         <m:e>
                           <m:r>
-                            <a:rPr lang="en-US" altLang="ja-JP" sz="1200" b="0" i="1" smtClean="0">
+                            <a:rPr lang="en-US" altLang="ja-JP" sz="1050" b="0" i="1" smtClean="0">
                               <a:latin typeface="Cambria Math"/>
                               <a:ea typeface="HG丸ｺﾞｼｯｸM-PRO" panose="020F0600000000000000" pitchFamily="50" charset="-128"/>
                               <a:cs typeface="Courier New" pitchFamily="49" charset="0"/>
@@ -2356,7 +2356,7 @@
                         </m:e>
                         <m:sub>
                           <m:r>
-                            <a:rPr lang="en-US" altLang="ja-JP" sz="1200" b="0" i="1" smtClean="0">
+                            <a:rPr lang="en-US" altLang="ja-JP" sz="1050" b="0" i="1" smtClean="0">
                               <a:latin typeface="Cambria Math"/>
                               <a:ea typeface="HG丸ｺﾞｼｯｸM-PRO" panose="020F0600000000000000" pitchFamily="50" charset="-128"/>
                               <a:cs typeface="Courier New" pitchFamily="49" charset="0"/>
@@ -2366,7 +2366,7 @@
                         </m:sub>
                       </m:sSub>
                       <m:r>
-                        <a:rPr lang="en-US" altLang="ja-JP" sz="1200" b="0" i="1" smtClean="0">
+                        <a:rPr lang="en-US" altLang="ja-JP" sz="1050" b="0" i="1" smtClean="0">
                           <a:latin typeface="Cambria Math"/>
                           <a:ea typeface="HG丸ｺﾞｼｯｸM-PRO" panose="020F0600000000000000" pitchFamily="50" charset="-128"/>
                           <a:cs typeface="Courier New" pitchFamily="49" charset="0"/>
@@ -2376,7 +2376,7 @@
                       <m:sSub>
                         <m:sSubPr>
                           <m:ctrlPr>
-                            <a:rPr lang="en-US" altLang="ja-JP" sz="1200" b="0" i="1" smtClean="0">
+                            <a:rPr lang="en-US" altLang="ja-JP" sz="1050" b="0" i="1" smtClean="0">
                               <a:latin typeface="Cambria Math"/>
                               <a:ea typeface="HG丸ｺﾞｼｯｸM-PRO" panose="020F0600000000000000" pitchFamily="50" charset="-128"/>
                               <a:cs typeface="Courier New" pitchFamily="49" charset="0"/>
@@ -2385,7 +2385,7 @@
                         </m:sSubPr>
                         <m:e>
                           <m:r>
-                            <a:rPr lang="en-US" altLang="ja-JP" sz="1200" b="0" i="1" smtClean="0">
+                            <a:rPr lang="en-US" altLang="ja-JP" sz="1050" b="0" i="1" smtClean="0">
                               <a:latin typeface="Cambria Math"/>
                               <a:ea typeface="HG丸ｺﾞｼｯｸM-PRO" panose="020F0600000000000000" pitchFamily="50" charset="-128"/>
                               <a:cs typeface="Courier New" pitchFamily="49" charset="0"/>
@@ -2395,7 +2395,7 @@
                         </m:e>
                         <m:sub>
                           <m:r>
-                            <a:rPr lang="en-US" altLang="ja-JP" sz="1200" b="0" i="1" smtClean="0">
+                            <a:rPr lang="en-US" altLang="ja-JP" sz="1050" b="0" i="1" smtClean="0">
                               <a:latin typeface="Cambria Math"/>
                               <a:ea typeface="HG丸ｺﾞｼｯｸM-PRO" panose="020F0600000000000000" pitchFamily="50" charset="-128"/>
                               <a:cs typeface="Courier New" pitchFamily="49" charset="0"/>
@@ -2407,7 +2407,7 @@
                     </m:oMath>
                   </m:oMathPara>
                 </a14:m>
-                <a:endParaRPr lang="ja-JP" altLang="en-US" sz="1200">
+                <a:endParaRPr lang="ja-JP" altLang="en-US" sz="1050">
                   <a:latin typeface="HG丸ｺﾞｼｯｸM-PRO" panose="020F0600000000000000" pitchFamily="50" charset="-128"/>
                   <a:ea typeface="HG丸ｺﾞｼｯｸM-PRO" panose="020F0600000000000000" pitchFamily="50" charset="-128"/>
                   <a:cs typeface="Courier New" pitchFamily="49" charset="0"/>
@@ -2428,7 +2428,7 @@
             <p:spPr>
               <a:xfrm>
                 <a:off x="1752921" y="1946281"/>
-                <a:ext cx="593194" cy="228183"/>
+                <a:ext cx="526252" cy="205100"/>
               </a:xfrm>
               <a:prstGeom prst="rect">
                 <a:avLst/>
@@ -2436,7 +2436,7 @@
               <a:blipFill rotWithShape="1">
                 <a:blip r:embed="rId3"/>
                 <a:stretch>
-                  <a:fillRect b="-2632"/>
+                  <a:fillRect b="-2941"/>
                 </a:stretch>
               </a:blipFill>
               <a:ln w="19050" cap="rnd">
@@ -2468,7 +2468,7 @@
         <p:spPr>
           <a:xfrm>
             <a:off x="2346115" y="1693639"/>
-            <a:ext cx="1779801" cy="228183"/>
+            <a:ext cx="1568204" cy="205100"/>
           </a:xfrm>
           <a:prstGeom prst="rect">
             <a:avLst/>
@@ -2487,32 +2487,23 @@
           </a:bodyPr>
           <a:lstStyle/>
           <a:p>
-            <a:pPr/>
-            <a:r>
-              <a:rPr lang="ja-JP" altLang="en-US" sz="1200">
+            <a:r>
+              <a:rPr lang="ja-JP" altLang="en-US" sz="1050">
                 <a:latin typeface="HG丸ｺﾞｼｯｸM-PRO" panose="020F0600000000000000" pitchFamily="50" charset="-128"/>
                 <a:ea typeface="HG丸ｺﾞｼｯｸM-PRO" panose="020F0600000000000000" pitchFamily="50" charset="-128"/>
                 <a:cs typeface="Courier New" pitchFamily="49" charset="0"/>
               </a:rPr>
-              <a:t>暗号化</a:t>
-            </a:r>
-            <a:r>
-              <a:rPr lang="ja-JP" altLang="en-US" sz="1200">
-                <a:latin typeface="HG丸ｺﾞｼｯｸM-PRO" panose="020F0600000000000000" pitchFamily="50" charset="-128"/>
-                <a:ea typeface="HG丸ｺﾞｼｯｸM-PRO" panose="020F0600000000000000" pitchFamily="50" charset="-128"/>
-                <a:cs typeface="Courier New" pitchFamily="49" charset="0"/>
-              </a:rPr>
-              <a:t>する</a:t>
-            </a:r>
-            <a:r>
-              <a:rPr lang="ja-JP" altLang="en-US" sz="1200" smtClean="0">
+              <a:t>暗号化する</a:t>
+            </a:r>
+            <a:r>
+              <a:rPr lang="ja-JP" altLang="en-US" sz="1050" smtClean="0">
                 <a:latin typeface="HG丸ｺﾞｼｯｸM-PRO" panose="020F0600000000000000" pitchFamily="50" charset="-128"/>
                 <a:ea typeface="HG丸ｺﾞｼｯｸM-PRO" panose="020F0600000000000000" pitchFamily="50" charset="-128"/>
                 <a:cs typeface="Courier New" pitchFamily="49" charset="0"/>
               </a:rPr>
               <a:t>人（挑戦者）</a:t>
             </a:r>
-            <a:endParaRPr lang="ja-JP" altLang="en-US" sz="1200">
+            <a:endParaRPr lang="ja-JP" altLang="en-US" sz="1050">
               <a:latin typeface="HG丸ｺﾞｼｯｸM-PRO" panose="020F0600000000000000" pitchFamily="50" charset="-128"/>
               <a:ea typeface="HG丸ｺﾞｼｯｸM-PRO" panose="020F0600000000000000" pitchFamily="50" charset="-128"/>
               <a:cs typeface="Courier New" pitchFamily="49" charset="0"/>
@@ -2529,7 +2520,7 @@
         <p:spPr>
           <a:xfrm>
             <a:off x="534575" y="1948200"/>
-            <a:ext cx="1095319" cy="412849"/>
+            <a:ext cx="970285" cy="366682"/>
           </a:xfrm>
           <a:prstGeom prst="rect">
             <a:avLst/>
@@ -2546,49 +2537,48 @@
           </a:bodyPr>
           <a:lstStyle/>
           <a:p>
-            <a:pPr/>
-            <a:r>
-              <a:rPr lang="ja-JP" altLang="en-US" sz="1200" b="0" smtClean="0">
+            <a:r>
+              <a:rPr lang="ja-JP" altLang="en-US" sz="1050" b="0" smtClean="0">
                 <a:ea typeface="HG丸ｺﾞｼｯｸM-PRO" panose="020F0600000000000000" pitchFamily="50" charset="-128"/>
                 <a:cs typeface="Courier New" pitchFamily="49" charset="0"/>
               </a:rPr>
               <a:t>平文を</a:t>
             </a:r>
             <a:r>
-              <a:rPr lang="en-US" altLang="ja-JP" sz="1200" b="0" smtClean="0">
+              <a:rPr lang="en-US" altLang="ja-JP" sz="1050" b="0" smtClean="0">
                 <a:ea typeface="HG丸ｺﾞｼｯｸM-PRO" panose="020F0600000000000000" pitchFamily="50" charset="-128"/>
                 <a:cs typeface="Courier New" pitchFamily="49" charset="0"/>
               </a:rPr>
               <a:t>2</a:t>
             </a:r>
             <a:r>
-              <a:rPr lang="ja-JP" altLang="en-US" sz="1200" b="0" smtClean="0">
+              <a:rPr lang="ja-JP" altLang="en-US" sz="1050" b="0" smtClean="0">
                 <a:ea typeface="HG丸ｺﾞｼｯｸM-PRO" panose="020F0600000000000000" pitchFamily="50" charset="-128"/>
                 <a:cs typeface="Courier New" pitchFamily="49" charset="0"/>
               </a:rPr>
               <a:t>個選び</a:t>
             </a:r>
             <a:r>
-              <a:rPr lang="en-US" altLang="ja-JP" sz="1200" b="0" smtClean="0">
+              <a:rPr lang="en-US" altLang="ja-JP" sz="1050" b="0" smtClean="0">
                 <a:ea typeface="HG丸ｺﾞｼｯｸM-PRO" panose="020F0600000000000000" pitchFamily="50" charset="-128"/>
                 <a:cs typeface="Courier New" pitchFamily="49" charset="0"/>
               </a:rPr>
               <a:t/>
             </a:r>
             <a:br>
-              <a:rPr lang="en-US" altLang="ja-JP" sz="1200" b="0" smtClean="0">
+              <a:rPr lang="en-US" altLang="ja-JP" sz="1050" b="0" smtClean="0">
                 <a:ea typeface="HG丸ｺﾞｼｯｸM-PRO" panose="020F0600000000000000" pitchFamily="50" charset="-128"/>
                 <a:cs typeface="Courier New" pitchFamily="49" charset="0"/>
               </a:rPr>
             </a:br>
             <a:r>
-              <a:rPr lang="ja-JP" altLang="en-US" sz="1200" b="0" smtClean="0">
+              <a:rPr lang="ja-JP" altLang="en-US" sz="1050" b="0" smtClean="0">
                 <a:ea typeface="HG丸ｺﾞｼｯｸM-PRO" panose="020F0600000000000000" pitchFamily="50" charset="-128"/>
                 <a:cs typeface="Courier New" pitchFamily="49" charset="0"/>
               </a:rPr>
               <a:t>送る</a:t>
             </a:r>
-            <a:endParaRPr lang="ja-JP" altLang="en-US" sz="1200">
+            <a:endParaRPr lang="ja-JP" altLang="en-US" sz="1050">
               <a:latin typeface="HG丸ｺﾞｼｯｸM-PRO" panose="020F0600000000000000" pitchFamily="50" charset="-128"/>
               <a:ea typeface="HG丸ｺﾞｼｯｸM-PRO" panose="020F0600000000000000" pitchFamily="50" charset="-128"/>
               <a:cs typeface="Courier New" pitchFamily="49" charset="0"/>
@@ -2606,8 +2596,8 @@
             </p:nvSpPr>
             <p:spPr>
               <a:xfrm>
-                <a:off x="2000261" y="2397686"/>
-                <a:ext cx="213731" cy="228183"/>
+                <a:off x="2000261" y="2349996"/>
+                <a:ext cx="202125" cy="212794"/>
               </a:xfrm>
               <a:prstGeom prst="rect">
                 <a:avLst/>
@@ -2632,7 +2622,7 @@
                     </m:oMathParaPr>
                     <m:oMath xmlns:m="http://schemas.openxmlformats.org/officeDocument/2006/math">
                       <m:r>
-                        <a:rPr lang="en-US" altLang="ja-JP" sz="1200" b="0" i="1" smtClean="0">
+                        <a:rPr lang="en-US" altLang="ja-JP" sz="1050" b="0" i="1" smtClean="0">
                           <a:latin typeface="Cambria Math"/>
                           <a:ea typeface="HG丸ｺﾞｼｯｸM-PRO" panose="020F0600000000000000" pitchFamily="50" charset="-128"/>
                           <a:cs typeface="Courier New" pitchFamily="49" charset="0"/>
@@ -2642,7 +2632,7 @@
                     </m:oMath>
                   </m:oMathPara>
                 </a14:m>
-                <a:endParaRPr lang="ja-JP" altLang="en-US" sz="1200">
+                <a:endParaRPr lang="ja-JP" altLang="en-US" sz="1050">
                   <a:latin typeface="HG丸ｺﾞｼｯｸM-PRO" panose="020F0600000000000000" pitchFamily="50" charset="-128"/>
                   <a:ea typeface="HG丸ｺﾞｼｯｸM-PRO" panose="020F0600000000000000" pitchFamily="50" charset="-128"/>
                   <a:cs typeface="Courier New" pitchFamily="49" charset="0"/>
@@ -2662,8 +2652,8 @@
             </p:nvSpPr>
             <p:spPr>
               <a:xfrm>
-                <a:off x="2000261" y="2397686"/>
-                <a:ext cx="213731" cy="228183"/>
+                <a:off x="2000261" y="2349996"/>
+                <a:ext cx="202125" cy="212794"/>
               </a:xfrm>
               <a:prstGeom prst="rect">
                 <a:avLst/>
@@ -2704,8 +2694,8 @@
             </p:nvSpPr>
             <p:spPr>
               <a:xfrm>
-                <a:off x="485800" y="2481853"/>
-                <a:ext cx="1314097" cy="228183"/>
+                <a:off x="485800" y="2434163"/>
+                <a:ext cx="1161811" cy="205100"/>
               </a:xfrm>
               <a:prstGeom prst="rect">
                 <a:avLst/>
@@ -2722,11 +2712,10 @@
               </a:bodyPr>
               <a:lstStyle/>
               <a:p>
-                <a:pPr/>
                 <a14:m>
                   <m:oMath xmlns:m="http://schemas.openxmlformats.org/officeDocument/2006/math">
                     <m:r>
-                      <a:rPr lang="en-US" altLang="ja-JP" sz="1200" b="0" i="1" smtClean="0">
+                      <a:rPr lang="en-US" altLang="ja-JP" sz="1050" b="0" i="1" smtClean="0">
                         <a:latin typeface="Cambria Math"/>
                         <a:ea typeface="HG丸ｺﾞｼｯｸM-PRO" panose="020F0600000000000000" pitchFamily="50" charset="-128"/>
                         <a:cs typeface="Courier New" pitchFamily="49" charset="0"/>
@@ -2734,7 +2723,7 @@
                       <m:t>𝑏</m:t>
                     </m:r>
                     <m:r>
-                      <a:rPr lang="en-US" altLang="ja-JP" sz="1200" b="0" i="1" smtClean="0">
+                      <a:rPr lang="en-US" altLang="ja-JP" sz="1050" b="0" i="1" smtClean="0">
                         <a:latin typeface="Cambria Math"/>
                         <a:ea typeface="HG丸ｺﾞｼｯｸM-PRO" panose="020F0600000000000000" pitchFamily="50" charset="-128"/>
                         <a:cs typeface="Courier New" pitchFamily="49" charset="0"/>
@@ -2744,7 +2733,7 @@
                   </m:oMath>
                 </a14:m>
                 <a:r>
-                  <a:rPr lang="ja-JP" altLang="en-US" sz="1200" smtClean="0">
+                  <a:rPr lang="ja-JP" altLang="en-US" sz="1050" smtClean="0">
                     <a:latin typeface="HG丸ｺﾞｼｯｸM-PRO" panose="020F0600000000000000" pitchFamily="50" charset="-128"/>
                     <a:ea typeface="HG丸ｺﾞｼｯｸM-PRO" panose="020F0600000000000000" pitchFamily="50" charset="-128"/>
                     <a:cs typeface="Courier New" pitchFamily="49" charset="0"/>
@@ -2754,7 +2743,7 @@
                 <a14:m>
                   <m:oMath xmlns:m="http://schemas.openxmlformats.org/officeDocument/2006/math">
                     <m:r>
-                      <a:rPr lang="en-US" altLang="ja-JP" sz="1200" b="0" i="1" smtClean="0">
+                      <a:rPr lang="en-US" altLang="ja-JP" sz="1050" b="0" i="1" smtClean="0">
                         <a:latin typeface="Cambria Math"/>
                         <a:ea typeface="HG丸ｺﾞｼｯｸM-PRO" panose="020F0600000000000000" pitchFamily="50" charset="-128"/>
                         <a:cs typeface="Courier New" pitchFamily="49" charset="0"/>
@@ -2764,14 +2753,14 @@
                   </m:oMath>
                 </a14:m>
                 <a:r>
-                  <a:rPr lang="ja-JP" altLang="en-US" sz="1200" smtClean="0">
+                  <a:rPr lang="ja-JP" altLang="en-US" sz="1050" smtClean="0">
                     <a:latin typeface="HG丸ｺﾞｼｯｸM-PRO" panose="020F0600000000000000" pitchFamily="50" charset="-128"/>
                     <a:ea typeface="HG丸ｺﾞｼｯｸM-PRO" panose="020F0600000000000000" pitchFamily="50" charset="-128"/>
                     <a:cs typeface="Courier New" pitchFamily="49" charset="0"/>
                   </a:rPr>
                   <a:t>を当てる</a:t>
                 </a:r>
-                <a:endParaRPr lang="ja-JP" altLang="en-US" sz="1200">
+                <a:endParaRPr lang="ja-JP" altLang="en-US" sz="1050">
                   <a:latin typeface="HG丸ｺﾞｼｯｸM-PRO" panose="020F0600000000000000" pitchFamily="50" charset="-128"/>
                   <a:ea typeface="HG丸ｺﾞｼｯｸM-PRO" panose="020F0600000000000000" pitchFamily="50" charset="-128"/>
                   <a:cs typeface="Courier New" pitchFamily="49" charset="0"/>
@@ -2791,8 +2780,8 @@
             </p:nvSpPr>
             <p:spPr>
               <a:xfrm>
-                <a:off x="485800" y="2481853"/>
-                <a:ext cx="1314097" cy="228183"/>
+                <a:off x="485800" y="2434163"/>
+                <a:ext cx="1161811" cy="205100"/>
               </a:xfrm>
               <a:prstGeom prst="rect">
                 <a:avLst/>
@@ -2800,7 +2789,7 @@
               <a:blipFill rotWithShape="1">
                 <a:blip r:embed="rId5"/>
                 <a:stretch>
-                  <a:fillRect l="-1395" t="-10526" r="-3256" b="-28947"/>
+                  <a:fillRect l="-1053" t="-8824" r="-2632" b="-26471"/>
                 </a:stretch>
               </a:blipFill>
               <a:ln w="19050" cap="rnd">
